--- a/Week1/02/Presentasi Weekly Test1 - Muhamad Sholihin.pptx
+++ b/Week1/02/Presentasi Weekly Test1 - Muhamad Sholihin.pptx
@@ -348,7 +348,7 @@
           <a:p>
             <a:fld id="{07127928-5A30-4621-ABDC-8088BB73FC76}" type="datetimeFigureOut">
               <a:rPr lang="en-ID" smtClean="0"/>
-              <a:t>04/03/2020</a:t>
+              <a:t>05/03/2020</a:t>
             </a:fld>
             <a:endParaRPr lang="en-ID"/>
           </a:p>
@@ -523,7 +523,7 @@
           <a:p>
             <a:fld id="{07127928-5A30-4621-ABDC-8088BB73FC76}" type="datetimeFigureOut">
               <a:rPr lang="en-ID" smtClean="0"/>
-              <a:t>04/03/2020</a:t>
+              <a:t>05/03/2020</a:t>
             </a:fld>
             <a:endParaRPr lang="en-ID"/>
           </a:p>
@@ -703,7 +703,7 @@
           <a:p>
             <a:fld id="{07127928-5A30-4621-ABDC-8088BB73FC76}" type="datetimeFigureOut">
               <a:rPr lang="en-ID" smtClean="0"/>
-              <a:t>04/03/2020</a:t>
+              <a:t>05/03/2020</a:t>
             </a:fld>
             <a:endParaRPr lang="en-ID"/>
           </a:p>
@@ -878,7 +878,7 @@
           <a:p>
             <a:fld id="{07127928-5A30-4621-ABDC-8088BB73FC76}" type="datetimeFigureOut">
               <a:rPr lang="en-ID" smtClean="0"/>
-              <a:t>04/03/2020</a:t>
+              <a:t>05/03/2020</a:t>
             </a:fld>
             <a:endParaRPr lang="en-ID"/>
           </a:p>
@@ -1136,7 +1136,7 @@
           <a:p>
             <a:fld id="{07127928-5A30-4621-ABDC-8088BB73FC76}" type="datetimeFigureOut">
               <a:rPr lang="en-ID" smtClean="0"/>
-              <a:t>04/03/2020</a:t>
+              <a:t>05/03/2020</a:t>
             </a:fld>
             <a:endParaRPr lang="en-ID"/>
           </a:p>
@@ -1429,7 +1429,7 @@
           <a:p>
             <a:fld id="{07127928-5A30-4621-ABDC-8088BB73FC76}" type="datetimeFigureOut">
               <a:rPr lang="en-ID" smtClean="0"/>
-              <a:t>04/03/2020</a:t>
+              <a:t>05/03/2020</a:t>
             </a:fld>
             <a:endParaRPr lang="en-ID"/>
           </a:p>
@@ -1871,7 +1871,7 @@
           <a:p>
             <a:fld id="{07127928-5A30-4621-ABDC-8088BB73FC76}" type="datetimeFigureOut">
               <a:rPr lang="en-ID" smtClean="0"/>
-              <a:t>04/03/2020</a:t>
+              <a:t>05/03/2020</a:t>
             </a:fld>
             <a:endParaRPr lang="en-ID"/>
           </a:p>
@@ -1989,7 +1989,7 @@
           <a:p>
             <a:fld id="{07127928-5A30-4621-ABDC-8088BB73FC76}" type="datetimeFigureOut">
               <a:rPr lang="en-ID" smtClean="0"/>
-              <a:t>04/03/2020</a:t>
+              <a:t>05/03/2020</a:t>
             </a:fld>
             <a:endParaRPr lang="en-ID"/>
           </a:p>
@@ -2084,7 +2084,7 @@
           <a:p>
             <a:fld id="{07127928-5A30-4621-ABDC-8088BB73FC76}" type="datetimeFigureOut">
               <a:rPr lang="en-ID" smtClean="0"/>
-              <a:t>04/03/2020</a:t>
+              <a:t>05/03/2020</a:t>
             </a:fld>
             <a:endParaRPr lang="en-ID"/>
           </a:p>
@@ -2372,7 +2372,7 @@
           <a:p>
             <a:fld id="{07127928-5A30-4621-ABDC-8088BB73FC76}" type="datetimeFigureOut">
               <a:rPr lang="en-ID" smtClean="0"/>
-              <a:t>04/03/2020</a:t>
+              <a:t>05/03/2020</a:t>
             </a:fld>
             <a:endParaRPr lang="en-ID"/>
           </a:p>
@@ -2645,7 +2645,7 @@
           <a:p>
             <a:fld id="{07127928-5A30-4621-ABDC-8088BB73FC76}" type="datetimeFigureOut">
               <a:rPr lang="en-ID" smtClean="0"/>
-              <a:t>04/03/2020</a:t>
+              <a:t>05/03/2020</a:t>
             </a:fld>
             <a:endParaRPr lang="en-ID"/>
           </a:p>
@@ -2942,7 +2942,7 @@
           <a:p>
             <a:fld id="{07127928-5A30-4621-ABDC-8088BB73FC76}" type="datetimeFigureOut">
               <a:rPr lang="en-ID" smtClean="0"/>
-              <a:t>04/03/2020</a:t>
+              <a:t>05/03/2020</a:t>
             </a:fld>
             <a:endParaRPr lang="en-ID"/>
           </a:p>
@@ -3445,46 +3445,53 @@
             <p:ph type="ctrTitle"/>
           </p:nvPr>
         </p:nvSpPr>
-        <p:spPr/>
-        <p:txBody>
-          <a:bodyPr/>
-          <a:lstStyle/>
-          <a:p>
-            <a:r>
-              <a:rPr lang="en-ID" dirty="0" err="1"/>
+        <p:spPr>
+          <a:xfrm>
+            <a:off x="1100015" y="1181914"/>
+            <a:ext cx="7315200" cy="3255264"/>
+          </a:xfrm>
+        </p:spPr>
+        <p:txBody>
+          <a:bodyPr>
+            <a:normAutofit/>
+          </a:bodyPr>
+          <a:lstStyle/>
+          <a:p>
+            <a:r>
+              <a:rPr lang="en-ID" sz="5400" dirty="0" err="1"/>
               <a:t>Bangun</a:t>
             </a:r>
             <a:r>
-              <a:rPr lang="en-ID" dirty="0"/>
+              <a:rPr lang="en-ID" sz="5400" dirty="0"/>
               <a:t> </a:t>
             </a:r>
             <a:r>
-              <a:rPr lang="en-ID" dirty="0" err="1"/>
+              <a:rPr lang="en-ID" sz="5400" dirty="0" err="1"/>
               <a:t>Datar</a:t>
             </a:r>
             <a:br>
-              <a:rPr lang="en-ID" dirty="0"/>
+              <a:rPr lang="en-ID" sz="5400" dirty="0"/>
             </a:br>
             <a:r>
-              <a:rPr lang="en-ID" dirty="0"/>
+              <a:rPr lang="en-ID" sz="5400" dirty="0"/>
               <a:t>&amp;</a:t>
             </a:r>
             <a:br>
-              <a:rPr lang="en-ID" dirty="0"/>
+              <a:rPr lang="en-ID" sz="5400" dirty="0"/>
             </a:br>
             <a:r>
-              <a:rPr lang="en-ID" dirty="0" err="1"/>
+              <a:rPr lang="en-ID" sz="5400" dirty="0" err="1"/>
               <a:t>Bangun</a:t>
             </a:r>
             <a:r>
-              <a:rPr lang="en-ID" dirty="0"/>
+              <a:rPr lang="en-ID" sz="5400" dirty="0"/>
               <a:t> </a:t>
             </a:r>
             <a:r>
-              <a:rPr lang="en-ID" dirty="0" err="1"/>
+              <a:rPr lang="en-ID" sz="5400" dirty="0" err="1"/>
               <a:t>Ruang</a:t>
             </a:r>
-            <a:endParaRPr lang="en-ID" dirty="0"/>
+            <a:endParaRPr lang="en-ID" sz="5400" dirty="0"/>
           </a:p>
         </p:txBody>
       </p:sp>
@@ -3535,7 +3542,7 @@
         </p:nvSpPr>
         <p:spPr>
           <a:xfrm>
-            <a:off x="569144" y="1181914"/>
+            <a:off x="600317" y="1181914"/>
             <a:ext cx="8773807" cy="914401"/>
           </a:xfrm>
           <a:prstGeom prst="rect">
@@ -3668,8 +3675,8 @@
         </p:blipFill>
         <p:spPr>
           <a:xfrm>
-            <a:off x="4817348" y="1971816"/>
-            <a:ext cx="5855227" cy="2914367"/>
+            <a:off x="4861042" y="1971816"/>
+            <a:ext cx="5767837" cy="2914367"/>
           </a:xfrm>
         </p:spPr>
       </p:pic>
@@ -3767,8 +3774,8 @@
         </p:blipFill>
         <p:spPr>
           <a:xfrm>
-            <a:off x="4865187" y="1971816"/>
-            <a:ext cx="5759549" cy="2914367"/>
+            <a:off x="4865187" y="1991278"/>
+            <a:ext cx="5759549" cy="2875443"/>
           </a:xfrm>
         </p:spPr>
       </p:pic>
@@ -3861,8 +3868,8 @@
         </p:blipFill>
         <p:spPr>
           <a:xfrm>
-            <a:off x="4800601" y="1255144"/>
-            <a:ext cx="5778936" cy="4338567"/>
+            <a:off x="4800601" y="1682891"/>
+            <a:ext cx="5778936" cy="3483074"/>
           </a:xfrm>
         </p:spPr>
       </p:pic>
@@ -3942,7 +3949,7 @@
             <p:ph idx="1"/>
           </p:nvPr>
         </p:nvPicPr>
-        <p:blipFill rotWithShape="1">
+        <p:blipFill>
           <a:blip r:embed="rId2">
             <a:extLst>
               <a:ext uri="{28A0092B-C50C-407E-A947-70E740481C1C}">
@@ -3950,13 +3957,13 @@
               </a:ext>
             </a:extLst>
           </a:blip>
-          <a:srcRect t="1647" b="1"/>
+          <a:srcRect/>
           <a:stretch/>
         </p:blipFill>
         <p:spPr>
           <a:xfrm>
-            <a:off x="5020682" y="2435693"/>
-            <a:ext cx="3970919" cy="1977469"/>
+            <a:off x="5020682" y="2848762"/>
+            <a:ext cx="3970919" cy="1151331"/>
           </a:xfrm>
         </p:spPr>
       </p:pic>
@@ -4969,14 +4976,13 @@
               </a:ext>
             </a:extLst>
           </a:blip>
-          <a:stretch>
-            <a:fillRect/>
-          </a:stretch>
+          <a:srcRect/>
+          <a:stretch/>
         </p:blipFill>
         <p:spPr>
           <a:xfrm>
-            <a:off x="4582670" y="2886190"/>
-            <a:ext cx="6344535" cy="1076475"/>
+            <a:off x="4582670" y="3112081"/>
+            <a:ext cx="6344535" cy="624692"/>
           </a:xfrm>
         </p:spPr>
       </p:pic>
@@ -5074,8 +5080,8 @@
         </p:blipFill>
         <p:spPr>
           <a:xfrm>
-            <a:off x="4864350" y="1971413"/>
-            <a:ext cx="5927942" cy="2906029"/>
+            <a:off x="4877994" y="1971413"/>
+            <a:ext cx="5900656" cy="2906029"/>
           </a:xfrm>
         </p:spPr>
       </p:pic>
@@ -5173,8 +5179,8 @@
         </p:blipFill>
         <p:spPr>
           <a:xfrm>
-            <a:off x="4864350" y="1973595"/>
-            <a:ext cx="5927942" cy="2901665"/>
+            <a:off x="4864351" y="1973595"/>
+            <a:ext cx="5927941" cy="2901665"/>
           </a:xfrm>
         </p:spPr>
       </p:pic>
@@ -5272,8 +5278,8 @@
         </p:blipFill>
         <p:spPr>
           <a:xfrm>
-            <a:off x="4854728" y="2819795"/>
-            <a:ext cx="5966619" cy="1218409"/>
+            <a:off x="4552440" y="3117129"/>
+            <a:ext cx="6268907" cy="614598"/>
           </a:xfrm>
         </p:spPr>
       </p:pic>

--- a/Week1/02/Presentasi Weekly Test1 - Muhamad Sholihin.pptx
+++ b/Week1/02/Presentasi Weekly Test1 - Muhamad Sholihin.pptx
@@ -18,6 +18,7 @@
     <p:sldId id="262" r:id="rId12"/>
     <p:sldId id="263" r:id="rId13"/>
     <p:sldId id="268" r:id="rId14"/>
+    <p:sldId id="269" r:id="rId15"/>
   </p:sldIdLst>
   <p:sldSz cx="12192000" cy="6858000"/>
   <p:notesSz cx="6858000" cy="9144000"/>
@@ -3980,6 +3981,72 @@
 </p:sld>
 </file>
 
+<file path=ppt/slides/slide14.xml><?xml version="1.0" encoding="utf-8"?>
+<p:sld xmlns:a="http://schemas.openxmlformats.org/drawingml/2006/main" xmlns:r="http://schemas.openxmlformats.org/officeDocument/2006/relationships" xmlns:p="http://schemas.openxmlformats.org/presentationml/2006/main">
+  <p:cSld>
+    <p:spTree>
+      <p:nvGrpSpPr>
+        <p:cNvPr id="1" name=""/>
+        <p:cNvGrpSpPr/>
+        <p:nvPr/>
+      </p:nvGrpSpPr>
+      <p:grpSpPr>
+        <a:xfrm>
+          <a:off x="0" y="0"/>
+          <a:ext cx="0" cy="0"/>
+          <a:chOff x="0" y="0"/>
+          <a:chExt cx="0" cy="0"/>
+        </a:xfrm>
+      </p:grpSpPr>
+      <p:sp>
+        <p:nvSpPr>
+          <p:cNvPr id="2" name="Title 1">
+            <a:extLst>
+              <a:ext uri="{FF2B5EF4-FFF2-40B4-BE49-F238E27FC236}">
+                <a16:creationId xmlns:a16="http://schemas.microsoft.com/office/drawing/2014/main" id="{BA96E975-6639-4369-BDCA-083570E21FD8}"/>
+              </a:ext>
+            </a:extLst>
+          </p:cNvPr>
+          <p:cNvSpPr>
+            <a:spLocks noGrp="1"/>
+          </p:cNvSpPr>
+          <p:nvPr>
+            <p:ph type="ctrTitle"/>
+          </p:nvPr>
+        </p:nvSpPr>
+        <p:spPr/>
+        <p:txBody>
+          <a:bodyPr/>
+          <a:lstStyle/>
+          <a:p>
+            <a:pPr algn="ctr"/>
+            <a:r>
+              <a:rPr lang="en-ID" dirty="0"/>
+              <a:t>Thank You </a:t>
+            </a:r>
+            <a:r>
+              <a:rPr lang="en-ID" dirty="0">
+                <a:sym typeface="Wingdings" panose="05000000000000000000" pitchFamily="2" charset="2"/>
+              </a:rPr>
+              <a:t></a:t>
+            </a:r>
+            <a:endParaRPr lang="en-ID" dirty="0"/>
+          </a:p>
+        </p:txBody>
+      </p:sp>
+    </p:spTree>
+    <p:extLst>
+      <p:ext uri="{BB962C8B-B14F-4D97-AF65-F5344CB8AC3E}">
+        <p14:creationId xmlns:p14="http://schemas.microsoft.com/office/powerpoint/2010/main" val="3136343315"/>
+      </p:ext>
+    </p:extLst>
+  </p:cSld>
+  <p:clrMapOvr>
+    <a:masterClrMapping/>
+  </p:clrMapOvr>
+</p:sld>
+</file>
+
 <file path=ppt/slides/slide2.xml><?xml version="1.0" encoding="utf-8"?>
 <p:sld xmlns:a="http://schemas.openxmlformats.org/drawingml/2006/main" xmlns:r="http://schemas.openxmlformats.org/officeDocument/2006/relationships" xmlns:p="http://schemas.openxmlformats.org/presentationml/2006/main">
   <p:cSld>

--- a/Week1/02/Presentasi Weekly Test1 - Muhamad Sholihin.pptx
+++ b/Week1/02/Presentasi Weekly Test1 - Muhamad Sholihin.pptx
@@ -6,19 +6,20 @@
   </p:sldMasterIdLst>
   <p:sldIdLst>
     <p:sldId id="256" r:id="rId2"/>
-    <p:sldId id="264" r:id="rId3"/>
-    <p:sldId id="265" r:id="rId4"/>
-    <p:sldId id="266" r:id="rId5"/>
-    <p:sldId id="267" r:id="rId6"/>
-    <p:sldId id="257" r:id="rId7"/>
-    <p:sldId id="259" r:id="rId8"/>
-    <p:sldId id="260" r:id="rId9"/>
-    <p:sldId id="258" r:id="rId10"/>
-    <p:sldId id="261" r:id="rId11"/>
-    <p:sldId id="262" r:id="rId12"/>
-    <p:sldId id="263" r:id="rId13"/>
-    <p:sldId id="268" r:id="rId14"/>
-    <p:sldId id="269" r:id="rId15"/>
+    <p:sldId id="270" r:id="rId3"/>
+    <p:sldId id="264" r:id="rId4"/>
+    <p:sldId id="265" r:id="rId5"/>
+    <p:sldId id="266" r:id="rId6"/>
+    <p:sldId id="267" r:id="rId7"/>
+    <p:sldId id="257" r:id="rId8"/>
+    <p:sldId id="259" r:id="rId9"/>
+    <p:sldId id="260" r:id="rId10"/>
+    <p:sldId id="258" r:id="rId11"/>
+    <p:sldId id="261" r:id="rId12"/>
+    <p:sldId id="262" r:id="rId13"/>
+    <p:sldId id="263" r:id="rId14"/>
+    <p:sldId id="268" r:id="rId15"/>
+    <p:sldId id="269" r:id="rId16"/>
   </p:sldIdLst>
   <p:sldSz cx="12192000" cy="6858000"/>
   <p:notesSz cx="6858000" cy="9144000"/>
@@ -349,7 +350,7 @@
           <a:p>
             <a:fld id="{07127928-5A30-4621-ABDC-8088BB73FC76}" type="datetimeFigureOut">
               <a:rPr lang="en-ID" smtClean="0"/>
-              <a:t>05/03/2020</a:t>
+              <a:t>06/03/2020</a:t>
             </a:fld>
             <a:endParaRPr lang="en-ID"/>
           </a:p>
@@ -524,7 +525,7 @@
           <a:p>
             <a:fld id="{07127928-5A30-4621-ABDC-8088BB73FC76}" type="datetimeFigureOut">
               <a:rPr lang="en-ID" smtClean="0"/>
-              <a:t>05/03/2020</a:t>
+              <a:t>06/03/2020</a:t>
             </a:fld>
             <a:endParaRPr lang="en-ID"/>
           </a:p>
@@ -704,7 +705,7 @@
           <a:p>
             <a:fld id="{07127928-5A30-4621-ABDC-8088BB73FC76}" type="datetimeFigureOut">
               <a:rPr lang="en-ID" smtClean="0"/>
-              <a:t>05/03/2020</a:t>
+              <a:t>06/03/2020</a:t>
             </a:fld>
             <a:endParaRPr lang="en-ID"/>
           </a:p>
@@ -879,7 +880,7 @@
           <a:p>
             <a:fld id="{07127928-5A30-4621-ABDC-8088BB73FC76}" type="datetimeFigureOut">
               <a:rPr lang="en-ID" smtClean="0"/>
-              <a:t>05/03/2020</a:t>
+              <a:t>06/03/2020</a:t>
             </a:fld>
             <a:endParaRPr lang="en-ID"/>
           </a:p>
@@ -1137,7 +1138,7 @@
           <a:p>
             <a:fld id="{07127928-5A30-4621-ABDC-8088BB73FC76}" type="datetimeFigureOut">
               <a:rPr lang="en-ID" smtClean="0"/>
-              <a:t>05/03/2020</a:t>
+              <a:t>06/03/2020</a:t>
             </a:fld>
             <a:endParaRPr lang="en-ID"/>
           </a:p>
@@ -1430,7 +1431,7 @@
           <a:p>
             <a:fld id="{07127928-5A30-4621-ABDC-8088BB73FC76}" type="datetimeFigureOut">
               <a:rPr lang="en-ID" smtClean="0"/>
-              <a:t>05/03/2020</a:t>
+              <a:t>06/03/2020</a:t>
             </a:fld>
             <a:endParaRPr lang="en-ID"/>
           </a:p>
@@ -1872,7 +1873,7 @@
           <a:p>
             <a:fld id="{07127928-5A30-4621-ABDC-8088BB73FC76}" type="datetimeFigureOut">
               <a:rPr lang="en-ID" smtClean="0"/>
-              <a:t>05/03/2020</a:t>
+              <a:t>06/03/2020</a:t>
             </a:fld>
             <a:endParaRPr lang="en-ID"/>
           </a:p>
@@ -1990,7 +1991,7 @@
           <a:p>
             <a:fld id="{07127928-5A30-4621-ABDC-8088BB73FC76}" type="datetimeFigureOut">
               <a:rPr lang="en-ID" smtClean="0"/>
-              <a:t>05/03/2020</a:t>
+              <a:t>06/03/2020</a:t>
             </a:fld>
             <a:endParaRPr lang="en-ID"/>
           </a:p>
@@ -2085,7 +2086,7 @@
           <a:p>
             <a:fld id="{07127928-5A30-4621-ABDC-8088BB73FC76}" type="datetimeFigureOut">
               <a:rPr lang="en-ID" smtClean="0"/>
-              <a:t>05/03/2020</a:t>
+              <a:t>06/03/2020</a:t>
             </a:fld>
             <a:endParaRPr lang="en-ID"/>
           </a:p>
@@ -2373,7 +2374,7 @@
           <a:p>
             <a:fld id="{07127928-5A30-4621-ABDC-8088BB73FC76}" type="datetimeFigureOut">
               <a:rPr lang="en-ID" smtClean="0"/>
-              <a:t>05/03/2020</a:t>
+              <a:t>06/03/2020</a:t>
             </a:fld>
             <a:endParaRPr lang="en-ID"/>
           </a:p>
@@ -2646,7 +2647,7 @@
           <a:p>
             <a:fld id="{07127928-5A30-4621-ABDC-8088BB73FC76}" type="datetimeFigureOut">
               <a:rPr lang="en-ID" smtClean="0"/>
-              <a:t>05/03/2020</a:t>
+              <a:t>06/03/2020</a:t>
             </a:fld>
             <a:endParaRPr lang="en-ID"/>
           </a:p>
@@ -2943,7 +2944,7 @@
           <a:p>
             <a:fld id="{07127928-5A30-4621-ABDC-8088BB73FC76}" type="datetimeFigureOut">
               <a:rPr lang="en-ID" smtClean="0"/>
-              <a:t>05/03/2020</a:t>
+              <a:t>06/03/2020</a:t>
             </a:fld>
             <a:endParaRPr lang="en-ID"/>
           </a:p>
@@ -3543,7 +3544,7 @@
         </p:nvSpPr>
         <p:spPr>
           <a:xfrm>
-            <a:off x="600317" y="1181914"/>
+            <a:off x="195072" y="1273354"/>
             <a:ext cx="8773807" cy="914401"/>
           </a:xfrm>
           <a:prstGeom prst="rect">
@@ -3576,8 +3577,8 @@
           <a:p>
             <a:pPr algn="ctr"/>
             <a:r>
-              <a:rPr lang="en-ID" sz="2800" dirty="0"/>
-              <a:t>Encapsulation, Abstract, Polymorphism, dan Inheritance</a:t>
+              <a:rPr lang="en-ID" sz="2400" dirty="0"/>
+              <a:t>Encapsulation, Abstraction, Polymorphism, dan Inheritance</a:t>
             </a:r>
           </a:p>
         </p:txBody>
@@ -3596,6 +3597,105 @@
 </file>
 
 <file path=ppt/slides/slide10.xml><?xml version="1.0" encoding="utf-8"?>
+<p:sld xmlns:a="http://schemas.openxmlformats.org/drawingml/2006/main" xmlns:r="http://schemas.openxmlformats.org/officeDocument/2006/relationships" xmlns:p="http://schemas.openxmlformats.org/presentationml/2006/main">
+  <p:cSld>
+    <p:spTree>
+      <p:nvGrpSpPr>
+        <p:cNvPr id="1" name=""/>
+        <p:cNvGrpSpPr/>
+        <p:nvPr/>
+      </p:nvGrpSpPr>
+      <p:grpSpPr>
+        <a:xfrm>
+          <a:off x="0" y="0"/>
+          <a:ext cx="0" cy="0"/>
+          <a:chOff x="0" y="0"/>
+          <a:chExt cx="0" cy="0"/>
+        </a:xfrm>
+      </p:grpSpPr>
+      <p:sp>
+        <p:nvSpPr>
+          <p:cNvPr id="2" name="Title 1">
+            <a:extLst>
+              <a:ext uri="{FF2B5EF4-FFF2-40B4-BE49-F238E27FC236}">
+                <a16:creationId xmlns:a16="http://schemas.microsoft.com/office/drawing/2014/main" id="{2A77E40A-3F50-43FE-B75C-6816F6623634}"/>
+              </a:ext>
+            </a:extLst>
+          </p:cNvPr>
+          <p:cNvSpPr>
+            <a:spLocks noGrp="1"/>
+          </p:cNvSpPr>
+          <p:nvPr>
+            <p:ph type="title"/>
+          </p:nvPr>
+        </p:nvSpPr>
+        <p:spPr/>
+        <p:txBody>
+          <a:bodyPr>
+            <a:noAutofit/>
+          </a:bodyPr>
+          <a:lstStyle/>
+          <a:p>
+            <a:r>
+              <a:rPr lang="en-ID" sz="2450" dirty="0"/>
+              <a:t>Class </a:t>
+            </a:r>
+            <a:r>
+              <a:rPr lang="en-ID" sz="2450" dirty="0" err="1"/>
+              <a:t>BangunRuang</a:t>
+            </a:r>
+            <a:endParaRPr lang="en-ID" sz="2450" dirty="0"/>
+          </a:p>
+        </p:txBody>
+      </p:sp>
+      <p:pic>
+        <p:nvPicPr>
+          <p:cNvPr id="5" name="Content Placeholder 4">
+            <a:extLst>
+              <a:ext uri="{FF2B5EF4-FFF2-40B4-BE49-F238E27FC236}">
+                <a16:creationId xmlns:a16="http://schemas.microsoft.com/office/drawing/2014/main" id="{868EB61E-7F8E-40D7-8E53-BF59942C51EA}"/>
+              </a:ext>
+            </a:extLst>
+          </p:cNvPr>
+          <p:cNvPicPr>
+            <a:picLocks noGrp="1" noChangeAspect="1"/>
+          </p:cNvPicPr>
+          <p:nvPr>
+            <p:ph idx="1"/>
+          </p:nvPr>
+        </p:nvPicPr>
+        <p:blipFill>
+          <a:blip r:embed="rId2">
+            <a:extLst>
+              <a:ext uri="{28A0092B-C50C-407E-A947-70E740481C1C}">
+                <a14:useLocalDpi xmlns:a14="http://schemas.microsoft.com/office/drawing/2010/main" val="0"/>
+              </a:ext>
+            </a:extLst>
+          </a:blip>
+          <a:srcRect/>
+          <a:stretch/>
+        </p:blipFill>
+        <p:spPr>
+          <a:xfrm>
+            <a:off x="4552440" y="3117129"/>
+            <a:ext cx="6268907" cy="614598"/>
+          </a:xfrm>
+        </p:spPr>
+      </p:pic>
+    </p:spTree>
+    <p:extLst>
+      <p:ext uri="{BB962C8B-B14F-4D97-AF65-F5344CB8AC3E}">
+        <p14:creationId xmlns:p14="http://schemas.microsoft.com/office/powerpoint/2010/main" val="3153293569"/>
+      </p:ext>
+    </p:extLst>
+  </p:cSld>
+  <p:clrMapOvr>
+    <a:masterClrMapping/>
+  </p:clrMapOvr>
+</p:sld>
+</file>
+
+<file path=ppt/slides/slide11.xml><?xml version="1.0" encoding="utf-8"?>
 <p:sld xmlns:a="http://schemas.openxmlformats.org/drawingml/2006/main" xmlns:r="http://schemas.openxmlformats.org/officeDocument/2006/relationships" xmlns:p="http://schemas.openxmlformats.org/presentationml/2006/main">
   <p:cSld>
     <p:spTree>
@@ -3694,7 +3794,7 @@
 </p:sld>
 </file>
 
-<file path=ppt/slides/slide11.xml><?xml version="1.0" encoding="utf-8"?>
+<file path=ppt/slides/slide12.xml><?xml version="1.0" encoding="utf-8"?>
 <p:sld xmlns:a="http://schemas.openxmlformats.org/drawingml/2006/main" xmlns:r="http://schemas.openxmlformats.org/officeDocument/2006/relationships" xmlns:p="http://schemas.openxmlformats.org/presentationml/2006/main">
   <p:cSld>
     <p:spTree>
@@ -3793,7 +3893,7 @@
 </p:sld>
 </file>
 
-<file path=ppt/slides/slide12.xml><?xml version="1.0" encoding="utf-8"?>
+<file path=ppt/slides/slide13.xml><?xml version="1.0" encoding="utf-8"?>
 <p:sld xmlns:a="http://schemas.openxmlformats.org/drawingml/2006/main" xmlns:r="http://schemas.openxmlformats.org/officeDocument/2006/relationships" xmlns:p="http://schemas.openxmlformats.org/presentationml/2006/main">
   <p:cSld>
     <p:spTree>
@@ -3887,7 +3987,7 @@
 </p:sld>
 </file>
 
-<file path=ppt/slides/slide13.xml><?xml version="1.0" encoding="utf-8"?>
+<file path=ppt/slides/slide14.xml><?xml version="1.0" encoding="utf-8"?>
 <p:sld xmlns:a="http://schemas.openxmlformats.org/drawingml/2006/main" xmlns:r="http://schemas.openxmlformats.org/officeDocument/2006/relationships" xmlns:p="http://schemas.openxmlformats.org/presentationml/2006/main">
   <p:cSld>
     <p:spTree>
@@ -3981,7 +4081,7 @@
 </p:sld>
 </file>
 
-<file path=ppt/slides/slide14.xml><?xml version="1.0" encoding="utf-8"?>
+<file path=ppt/slides/slide15.xml><?xml version="1.0" encoding="utf-8"?>
 <p:sld xmlns:a="http://schemas.openxmlformats.org/drawingml/2006/main" xmlns:r="http://schemas.openxmlformats.org/officeDocument/2006/relationships" xmlns:p="http://schemas.openxmlformats.org/presentationml/2006/main">
   <p:cSld>
     <p:spTree>
@@ -4069,7 +4169,7 @@
           <p:cNvPr id="2" name="Title 1">
             <a:extLst>
               <a:ext uri="{FF2B5EF4-FFF2-40B4-BE49-F238E27FC236}">
-                <a16:creationId xmlns:a16="http://schemas.microsoft.com/office/drawing/2014/main" id="{08045F0B-DFA7-4228-BD66-028898A9A702}"/>
+                <a16:creationId xmlns:a16="http://schemas.microsoft.com/office/drawing/2014/main" id="{E04EFBC0-93F4-4116-8A7C-7D5AB37BD54E}"/>
               </a:ext>
             </a:extLst>
           </p:cNvPr>
@@ -4086,37 +4186,584 @@
           <a:lstStyle/>
           <a:p>
             <a:r>
-              <a:rPr lang="en-ID" dirty="0"/>
-              <a:t>Encapsulation</a:t>
-            </a:r>
-          </a:p>
-        </p:txBody>
-      </p:sp>
-      <p:sp>
-        <p:nvSpPr>
-          <p:cNvPr id="3" name="Content Placeholder 2">
+              <a:rPr lang="en-ID" dirty="0" err="1"/>
+              <a:t>Bangun</a:t>
+            </a:r>
+            <a:r>
+              <a:rPr lang="en-ID" dirty="0"/>
+              <a:t> </a:t>
+            </a:r>
+            <a:r>
+              <a:rPr lang="en-ID" dirty="0" err="1"/>
+              <a:t>datar</a:t>
+            </a:r>
+            <a:br>
+              <a:rPr lang="en-ID" dirty="0"/>
+            </a:br>
+            <a:r>
+              <a:rPr lang="en-ID" dirty="0"/>
+              <a:t>&amp;</a:t>
+            </a:r>
+            <a:br>
+              <a:rPr lang="en-ID" dirty="0"/>
+            </a:br>
+            <a:r>
+              <a:rPr lang="en-ID" dirty="0" err="1"/>
+              <a:t>Bangun</a:t>
+            </a:r>
+            <a:r>
+              <a:rPr lang="en-ID" dirty="0"/>
+              <a:t> </a:t>
+            </a:r>
+            <a:r>
+              <a:rPr lang="en-ID" dirty="0" err="1"/>
+              <a:t>ruang</a:t>
+            </a:r>
+            <a:endParaRPr lang="en-ID" dirty="0"/>
+          </a:p>
+        </p:txBody>
+      </p:sp>
+      <p:graphicFrame>
+        <p:nvGraphicFramePr>
+          <p:cNvPr id="4" name="Table 4">
             <a:extLst>
               <a:ext uri="{FF2B5EF4-FFF2-40B4-BE49-F238E27FC236}">
-                <a16:creationId xmlns:a16="http://schemas.microsoft.com/office/drawing/2014/main" id="{E6B1B99D-ED64-4304-B3C6-1624A71B991B}"/>
+                <a16:creationId xmlns:a16="http://schemas.microsoft.com/office/drawing/2014/main" id="{D61DE11E-F8DD-496B-A1E1-E51BF7DEA20B}"/>
               </a:ext>
             </a:extLst>
           </p:cNvPr>
-          <p:cNvSpPr>
-            <a:spLocks noGrp="1"/>
-          </p:cNvSpPr>
+          <p:cNvGraphicFramePr>
+            <a:graphicFrameLocks noGrp="1"/>
+          </p:cNvGraphicFramePr>
           <p:nvPr>
             <p:ph idx="1"/>
-          </p:nvPr>
-        </p:nvSpPr>
-        <p:spPr/>
-        <p:txBody>
-          <a:bodyPr/>
-          <a:lstStyle/>
-          <a:p>
-            <a:pPr algn="just"/>
-            <a:r>
-              <a:rPr lang="en-ID" dirty="0" err="1"/>
-              <a:t>Maksud</a:t>
+            <p:extLst>
+              <p:ext uri="{D42A27DB-BD31-4B8C-83A1-F6EECF244321}">
+                <p14:modId xmlns:p14="http://schemas.microsoft.com/office/powerpoint/2010/main" val="247639622"/>
+              </p:ext>
+            </p:extLst>
+          </p:nvPr>
+        </p:nvGraphicFramePr>
+        <p:xfrm>
+          <a:off x="4045383" y="3845791"/>
+          <a:ext cx="7315200" cy="1483360"/>
+        </p:xfrm>
+        <a:graphic>
+          <a:graphicData uri="http://schemas.openxmlformats.org/drawingml/2006/table">
+            <a:tbl>
+              <a:tblPr firstRow="1" bandRow="1">
+                <a:tableStyleId>{5C22544A-7EE6-4342-B048-85BDC9FD1C3A}</a:tableStyleId>
+              </a:tblPr>
+              <a:tblGrid>
+                <a:gridCol w="713653">
+                  <a:extLst>
+                    <a:ext uri="{9D8B030D-6E8A-4147-A177-3AD203B41FA5}">
+                      <a16:colId xmlns:a16="http://schemas.microsoft.com/office/drawing/2014/main" val="3349483169"/>
+                    </a:ext>
+                  </a:extLst>
+                </a:gridCol>
+                <a:gridCol w="3241964">
+                  <a:extLst>
+                    <a:ext uri="{9D8B030D-6E8A-4147-A177-3AD203B41FA5}">
+                      <a16:colId xmlns:a16="http://schemas.microsoft.com/office/drawing/2014/main" val="1251170511"/>
+                    </a:ext>
+                  </a:extLst>
+                </a:gridCol>
+                <a:gridCol w="3359583">
+                  <a:extLst>
+                    <a:ext uri="{9D8B030D-6E8A-4147-A177-3AD203B41FA5}">
+                      <a16:colId xmlns:a16="http://schemas.microsoft.com/office/drawing/2014/main" val="278060078"/>
+                    </a:ext>
+                  </a:extLst>
+                </a:gridCol>
+              </a:tblGrid>
+              <a:tr h="370840">
+                <a:tc>
+                  <a:txBody>
+                    <a:bodyPr/>
+                    <a:lstStyle/>
+                    <a:p>
+                      <a:r>
+                        <a:rPr lang="en-ID" dirty="0"/>
+                        <a:t>No</a:t>
+                      </a:r>
+                    </a:p>
+                  </a:txBody>
+                  <a:tcPr/>
+                </a:tc>
+                <a:tc>
+                  <a:txBody>
+                    <a:bodyPr/>
+                    <a:lstStyle/>
+                    <a:p>
+                      <a:r>
+                        <a:rPr lang="en-ID" dirty="0" err="1"/>
+                        <a:t>Bangun</a:t>
+                      </a:r>
+                      <a:r>
+                        <a:rPr lang="en-ID" dirty="0"/>
+                        <a:t> </a:t>
+                      </a:r>
+                      <a:r>
+                        <a:rPr lang="en-ID" dirty="0" err="1"/>
+                        <a:t>Datar</a:t>
+                      </a:r>
+                      <a:endParaRPr lang="en-ID" dirty="0"/>
+                    </a:p>
+                  </a:txBody>
+                  <a:tcPr/>
+                </a:tc>
+                <a:tc>
+                  <a:txBody>
+                    <a:bodyPr/>
+                    <a:lstStyle/>
+                    <a:p>
+                      <a:r>
+                        <a:rPr lang="en-ID" dirty="0" err="1"/>
+                        <a:t>Bangun</a:t>
+                      </a:r>
+                      <a:r>
+                        <a:rPr lang="en-ID" dirty="0"/>
+                        <a:t> </a:t>
+                      </a:r>
+                      <a:r>
+                        <a:rPr lang="en-ID" dirty="0" err="1"/>
+                        <a:t>Ruang</a:t>
+                      </a:r>
+                      <a:endParaRPr lang="en-ID" dirty="0"/>
+                    </a:p>
+                  </a:txBody>
+                  <a:tcPr/>
+                </a:tc>
+                <a:extLst>
+                  <a:ext uri="{0D108BD9-81ED-4DB2-BD59-A6C34878D82A}">
+                    <a16:rowId xmlns:a16="http://schemas.microsoft.com/office/drawing/2014/main" val="3534666394"/>
+                  </a:ext>
+                </a:extLst>
+              </a:tr>
+              <a:tr h="370840">
+                <a:tc>
+                  <a:txBody>
+                    <a:bodyPr/>
+                    <a:lstStyle/>
+                    <a:p>
+                      <a:r>
+                        <a:rPr lang="en-ID" dirty="0"/>
+                        <a:t>1</a:t>
+                      </a:r>
+                    </a:p>
+                  </a:txBody>
+                  <a:tcPr/>
+                </a:tc>
+                <a:tc>
+                  <a:txBody>
+                    <a:bodyPr/>
+                    <a:lstStyle/>
+                    <a:p>
+                      <a:r>
+                        <a:rPr lang="en-ID" dirty="0" err="1"/>
+                        <a:t>Tidak</a:t>
+                      </a:r>
+                      <a:r>
+                        <a:rPr lang="en-ID" dirty="0"/>
+                        <a:t> </a:t>
+                      </a:r>
+                      <a:r>
+                        <a:rPr lang="en-ID" dirty="0" err="1"/>
+                        <a:t>memiliki</a:t>
+                      </a:r>
+                      <a:r>
+                        <a:rPr lang="en-ID" dirty="0"/>
+                        <a:t> </a:t>
+                      </a:r>
+                      <a:r>
+                        <a:rPr lang="en-ID" dirty="0" err="1"/>
+                        <a:t>tinggi</a:t>
+                      </a:r>
+                      <a:endParaRPr lang="en-ID" dirty="0"/>
+                    </a:p>
+                  </a:txBody>
+                  <a:tcPr/>
+                </a:tc>
+                <a:tc>
+                  <a:txBody>
+                    <a:bodyPr/>
+                    <a:lstStyle/>
+                    <a:p>
+                      <a:r>
+                        <a:rPr lang="en-ID" dirty="0" err="1"/>
+                        <a:t>Memiliki</a:t>
+                      </a:r>
+                      <a:r>
+                        <a:rPr lang="en-ID" dirty="0"/>
+                        <a:t> </a:t>
+                      </a:r>
+                      <a:r>
+                        <a:rPr lang="en-ID" dirty="0" err="1"/>
+                        <a:t>tinggi</a:t>
+                      </a:r>
+                      <a:endParaRPr lang="en-ID" dirty="0"/>
+                    </a:p>
+                  </a:txBody>
+                  <a:tcPr/>
+                </a:tc>
+                <a:extLst>
+                  <a:ext uri="{0D108BD9-81ED-4DB2-BD59-A6C34878D82A}">
+                    <a16:rowId xmlns:a16="http://schemas.microsoft.com/office/drawing/2014/main" val="2005686679"/>
+                  </a:ext>
+                </a:extLst>
+              </a:tr>
+              <a:tr h="370840">
+                <a:tc>
+                  <a:txBody>
+                    <a:bodyPr/>
+                    <a:lstStyle/>
+                    <a:p>
+                      <a:r>
+                        <a:rPr lang="en-ID" dirty="0"/>
+                        <a:t>2</a:t>
+                      </a:r>
+                    </a:p>
+                  </a:txBody>
+                  <a:tcPr/>
+                </a:tc>
+                <a:tc>
+                  <a:txBody>
+                    <a:bodyPr/>
+                    <a:lstStyle/>
+                    <a:p>
+                      <a:r>
+                        <a:rPr lang="en-ID" dirty="0" err="1"/>
+                        <a:t>Tidak</a:t>
+                      </a:r>
+                      <a:r>
+                        <a:rPr lang="en-ID" dirty="0"/>
+                        <a:t> </a:t>
+                      </a:r>
+                      <a:r>
+                        <a:rPr lang="en-ID" dirty="0" err="1"/>
+                        <a:t>memiliki</a:t>
+                      </a:r>
+                      <a:r>
+                        <a:rPr lang="en-ID" dirty="0"/>
+                        <a:t> volume</a:t>
+                      </a:r>
+                    </a:p>
+                  </a:txBody>
+                  <a:tcPr/>
+                </a:tc>
+                <a:tc>
+                  <a:txBody>
+                    <a:bodyPr/>
+                    <a:lstStyle/>
+                    <a:p>
+                      <a:r>
+                        <a:rPr lang="en-ID" dirty="0" err="1"/>
+                        <a:t>Memiliki</a:t>
+                      </a:r>
+                      <a:r>
+                        <a:rPr lang="en-ID" dirty="0"/>
+                        <a:t> volume</a:t>
+                      </a:r>
+                    </a:p>
+                  </a:txBody>
+                  <a:tcPr/>
+                </a:tc>
+                <a:extLst>
+                  <a:ext uri="{0D108BD9-81ED-4DB2-BD59-A6C34878D82A}">
+                    <a16:rowId xmlns:a16="http://schemas.microsoft.com/office/drawing/2014/main" val="3284968228"/>
+                  </a:ext>
+                </a:extLst>
+              </a:tr>
+              <a:tr h="370840">
+                <a:tc>
+                  <a:txBody>
+                    <a:bodyPr/>
+                    <a:lstStyle/>
+                    <a:p>
+                      <a:r>
+                        <a:rPr lang="en-ID" dirty="0"/>
+                        <a:t>3</a:t>
+                      </a:r>
+                    </a:p>
+                  </a:txBody>
+                  <a:tcPr/>
+                </a:tc>
+                <a:tc>
+                  <a:txBody>
+                    <a:bodyPr/>
+                    <a:lstStyle/>
+                    <a:p>
+                      <a:r>
+                        <a:rPr lang="en-ID" dirty="0"/>
+                        <a:t>2 </a:t>
+                      </a:r>
+                      <a:r>
+                        <a:rPr lang="en-ID" dirty="0" err="1"/>
+                        <a:t>dimensi</a:t>
+                      </a:r>
+                      <a:r>
+                        <a:rPr lang="en-ID" dirty="0"/>
+                        <a:t> (</a:t>
+                      </a:r>
+                      <a:r>
+                        <a:rPr lang="en-ID" dirty="0" err="1"/>
+                        <a:t>x,y</a:t>
+                      </a:r>
+                      <a:r>
+                        <a:rPr lang="en-ID" dirty="0"/>
+                        <a:t>)</a:t>
+                      </a:r>
+                    </a:p>
+                  </a:txBody>
+                  <a:tcPr/>
+                </a:tc>
+                <a:tc>
+                  <a:txBody>
+                    <a:bodyPr/>
+                    <a:lstStyle/>
+                    <a:p>
+                      <a:r>
+                        <a:rPr lang="en-ID" dirty="0"/>
+                        <a:t>3 </a:t>
+                      </a:r>
+                      <a:r>
+                        <a:rPr lang="en-ID" dirty="0" err="1"/>
+                        <a:t>dimensi</a:t>
+                      </a:r>
+                      <a:r>
+                        <a:rPr lang="en-ID" dirty="0"/>
+                        <a:t> (</a:t>
+                      </a:r>
+                      <a:r>
+                        <a:rPr lang="en-ID" dirty="0" err="1"/>
+                        <a:t>x,y,z</a:t>
+                      </a:r>
+                      <a:r>
+                        <a:rPr lang="en-ID" dirty="0"/>
+                        <a:t>)</a:t>
+                      </a:r>
+                    </a:p>
+                  </a:txBody>
+                  <a:tcPr/>
+                </a:tc>
+                <a:extLst>
+                  <a:ext uri="{0D108BD9-81ED-4DB2-BD59-A6C34878D82A}">
+                    <a16:rowId xmlns:a16="http://schemas.microsoft.com/office/drawing/2014/main" val="108448737"/>
+                  </a:ext>
+                </a:extLst>
+              </a:tr>
+            </a:tbl>
+          </a:graphicData>
+        </a:graphic>
+      </p:graphicFrame>
+      <p:graphicFrame>
+        <p:nvGraphicFramePr>
+          <p:cNvPr id="8" name="Table 8">
+            <a:extLst>
+              <a:ext uri="{FF2B5EF4-FFF2-40B4-BE49-F238E27FC236}">
+                <a16:creationId xmlns:a16="http://schemas.microsoft.com/office/drawing/2014/main" id="{297B5E84-0DA7-457D-B1FC-D48E139DB9E3}"/>
+              </a:ext>
+            </a:extLst>
+          </p:cNvPr>
+          <p:cNvGraphicFramePr>
+            <a:graphicFrameLocks noGrp="1"/>
+          </p:cNvGraphicFramePr>
+          <p:nvPr>
+            <p:extLst>
+              <p:ext uri="{D42A27DB-BD31-4B8C-83A1-F6EECF244321}">
+                <p14:modId xmlns:p14="http://schemas.microsoft.com/office/powerpoint/2010/main" val="1392190080"/>
+              </p:ext>
+            </p:extLst>
+          </p:nvPr>
+        </p:nvGraphicFramePr>
+        <p:xfrm>
+          <a:off x="4045383" y="1743825"/>
+          <a:ext cx="7315200" cy="1112520"/>
+        </p:xfrm>
+        <a:graphic>
+          <a:graphicData uri="http://schemas.openxmlformats.org/drawingml/2006/table">
+            <a:tbl>
+              <a:tblPr firstRow="1" bandRow="1">
+                <a:tableStyleId>{5C22544A-7EE6-4342-B048-85BDC9FD1C3A}</a:tableStyleId>
+              </a:tblPr>
+              <a:tblGrid>
+                <a:gridCol w="713653">
+                  <a:extLst>
+                    <a:ext uri="{9D8B030D-6E8A-4147-A177-3AD203B41FA5}">
+                      <a16:colId xmlns:a16="http://schemas.microsoft.com/office/drawing/2014/main" val="2385320540"/>
+                    </a:ext>
+                  </a:extLst>
+                </a:gridCol>
+                <a:gridCol w="6601547">
+                  <a:extLst>
+                    <a:ext uri="{9D8B030D-6E8A-4147-A177-3AD203B41FA5}">
+                      <a16:colId xmlns:a16="http://schemas.microsoft.com/office/drawing/2014/main" val="4086182458"/>
+                    </a:ext>
+                  </a:extLst>
+                </a:gridCol>
+              </a:tblGrid>
+              <a:tr h="370840">
+                <a:tc>
+                  <a:txBody>
+                    <a:bodyPr/>
+                    <a:lstStyle/>
+                    <a:p>
+                      <a:r>
+                        <a:rPr lang="en-ID" dirty="0"/>
+                        <a:t>No</a:t>
+                      </a:r>
+                    </a:p>
+                  </a:txBody>
+                  <a:tcPr/>
+                </a:tc>
+                <a:tc>
+                  <a:txBody>
+                    <a:bodyPr/>
+                    <a:lstStyle/>
+                    <a:p>
+                      <a:r>
+                        <a:rPr lang="en-ID" dirty="0" err="1"/>
+                        <a:t>Persamaan</a:t>
+                      </a:r>
+                      <a:endParaRPr lang="en-ID" dirty="0"/>
+                    </a:p>
+                  </a:txBody>
+                  <a:tcPr/>
+                </a:tc>
+                <a:extLst>
+                  <a:ext uri="{0D108BD9-81ED-4DB2-BD59-A6C34878D82A}">
+                    <a16:rowId xmlns:a16="http://schemas.microsoft.com/office/drawing/2014/main" val="4065383779"/>
+                  </a:ext>
+                </a:extLst>
+              </a:tr>
+              <a:tr h="370840">
+                <a:tc>
+                  <a:txBody>
+                    <a:bodyPr/>
+                    <a:lstStyle/>
+                    <a:p>
+                      <a:r>
+                        <a:rPr lang="en-ID" dirty="0"/>
+                        <a:t>1</a:t>
+                      </a:r>
+                    </a:p>
+                  </a:txBody>
+                  <a:tcPr/>
+                </a:tc>
+                <a:tc>
+                  <a:txBody>
+                    <a:bodyPr/>
+                    <a:lstStyle/>
+                    <a:p>
+                      <a:r>
+                        <a:rPr lang="en-ID" dirty="0" err="1"/>
+                        <a:t>Memiliki</a:t>
+                      </a:r>
+                      <a:r>
+                        <a:rPr lang="en-ID" dirty="0"/>
+                        <a:t> </a:t>
+                      </a:r>
+                      <a:r>
+                        <a:rPr lang="en-ID" dirty="0" err="1"/>
+                        <a:t>titik</a:t>
+                      </a:r>
+                      <a:r>
+                        <a:rPr lang="en-ID" dirty="0"/>
+                        <a:t> </a:t>
+                      </a:r>
+                      <a:r>
+                        <a:rPr lang="en-ID" dirty="0" err="1"/>
+                        <a:t>sudut</a:t>
+                      </a:r>
+                      <a:endParaRPr lang="en-ID" dirty="0"/>
+                    </a:p>
+                  </a:txBody>
+                  <a:tcPr/>
+                </a:tc>
+                <a:extLst>
+                  <a:ext uri="{0D108BD9-81ED-4DB2-BD59-A6C34878D82A}">
+                    <a16:rowId xmlns:a16="http://schemas.microsoft.com/office/drawing/2014/main" val="874671816"/>
+                  </a:ext>
+                </a:extLst>
+              </a:tr>
+              <a:tr h="370840">
+                <a:tc>
+                  <a:txBody>
+                    <a:bodyPr/>
+                    <a:lstStyle/>
+                    <a:p>
+                      <a:r>
+                        <a:rPr lang="en-ID" dirty="0"/>
+                        <a:t>2</a:t>
+                      </a:r>
+                    </a:p>
+                  </a:txBody>
+                  <a:tcPr/>
+                </a:tc>
+                <a:tc>
+                  <a:txBody>
+                    <a:bodyPr/>
+                    <a:lstStyle/>
+                    <a:p>
+                      <a:r>
+                        <a:rPr lang="en-ID" dirty="0" err="1"/>
+                        <a:t>Memiliki</a:t>
+                      </a:r>
+                      <a:r>
+                        <a:rPr lang="en-ID" dirty="0"/>
+                        <a:t> </a:t>
+                      </a:r>
+                      <a:r>
+                        <a:rPr lang="en-ID" dirty="0" err="1"/>
+                        <a:t>luas</a:t>
+                      </a:r>
+                      <a:endParaRPr lang="en-ID" dirty="0"/>
+                    </a:p>
+                  </a:txBody>
+                  <a:tcPr/>
+                </a:tc>
+                <a:extLst>
+                  <a:ext uri="{0D108BD9-81ED-4DB2-BD59-A6C34878D82A}">
+                    <a16:rowId xmlns:a16="http://schemas.microsoft.com/office/drawing/2014/main" val="2271739530"/>
+                  </a:ext>
+                </a:extLst>
+              </a:tr>
+            </a:tbl>
+          </a:graphicData>
+        </a:graphic>
+      </p:graphicFrame>
+      <p:sp>
+        <p:nvSpPr>
+          <p:cNvPr id="10" name="TextBox 9">
+            <a:extLst>
+              <a:ext uri="{FF2B5EF4-FFF2-40B4-BE49-F238E27FC236}">
+                <a16:creationId xmlns:a16="http://schemas.microsoft.com/office/drawing/2014/main" id="{700D9C02-32E5-4F04-AB94-1D0ADD238C38}"/>
+              </a:ext>
+            </a:extLst>
+          </p:cNvPr>
+          <p:cNvSpPr txBox="1"/>
+          <p:nvPr/>
+        </p:nvSpPr>
+        <p:spPr>
+          <a:xfrm>
+            <a:off x="4025818" y="1246909"/>
+            <a:ext cx="4140364" cy="369332"/>
+          </a:xfrm>
+          <a:prstGeom prst="rect">
+            <a:avLst/>
+          </a:prstGeom>
+          <a:noFill/>
+        </p:spPr>
+        <p:txBody>
+          <a:bodyPr wrap="none" rtlCol="0">
+            <a:spAutoFit/>
+          </a:bodyPr>
+          <a:lstStyle/>
+          <a:p>
+            <a:r>
+              <a:rPr lang="en-ID" dirty="0" err="1"/>
+              <a:t>Persamaan</a:t>
             </a:r>
             <a:r>
               <a:rPr lang="en-ID" dirty="0"/>
@@ -4124,15 +4771,7 @@
             </a:r>
             <a:r>
               <a:rPr lang="en-ID" dirty="0" err="1"/>
-              <a:t>dari</a:t>
-            </a:r>
-            <a:r>
-              <a:rPr lang="en-ID" dirty="0"/>
-              <a:t> encapsulation </a:t>
-            </a:r>
-            <a:r>
-              <a:rPr lang="en-ID" dirty="0" err="1"/>
-              <a:t>adalah</a:t>
+              <a:t>bangun</a:t>
             </a:r>
             <a:r>
               <a:rPr lang="en-ID" dirty="0"/>
@@ -4140,15 +4779,15 @@
             </a:r>
             <a:r>
               <a:rPr lang="en-ID" dirty="0" err="1"/>
-              <a:t>membungkus</a:t>
-            </a:r>
-            <a:r>
-              <a:rPr lang="en-ID" dirty="0"/>
-              <a:t> class dan </a:t>
-            </a:r>
-            <a:r>
-              <a:rPr lang="en-ID" dirty="0" err="1"/>
-              <a:t>menjaga</a:t>
+              <a:t>datar</a:t>
+            </a:r>
+            <a:r>
+              <a:rPr lang="en-ID" dirty="0"/>
+              <a:t> &amp; </a:t>
+            </a:r>
+            <a:r>
+              <a:rPr lang="en-ID" dirty="0" err="1"/>
+              <a:t>bangun</a:t>
             </a:r>
             <a:r>
               <a:rPr lang="en-ID" dirty="0"/>
@@ -4156,7 +4795,43 @@
             </a:r>
             <a:r>
               <a:rPr lang="en-ID" dirty="0" err="1"/>
-              <a:t>apa</a:t>
+              <a:t>ruang</a:t>
+            </a:r>
+            <a:endParaRPr lang="en-ID" dirty="0"/>
+          </a:p>
+        </p:txBody>
+      </p:sp>
+      <p:sp>
+        <p:nvSpPr>
+          <p:cNvPr id="11" name="TextBox 10">
+            <a:extLst>
+              <a:ext uri="{FF2B5EF4-FFF2-40B4-BE49-F238E27FC236}">
+                <a16:creationId xmlns:a16="http://schemas.microsoft.com/office/drawing/2014/main" id="{A5FBB6A6-65EA-4032-96AF-510BCD3BF03F}"/>
+              </a:ext>
+            </a:extLst>
+          </p:cNvPr>
+          <p:cNvSpPr txBox="1"/>
+          <p:nvPr/>
+        </p:nvSpPr>
+        <p:spPr>
+          <a:xfrm>
+            <a:off x="4045383" y="3424428"/>
+            <a:ext cx="4105098" cy="369332"/>
+          </a:xfrm>
+          <a:prstGeom prst="rect">
+            <a:avLst/>
+          </a:prstGeom>
+          <a:noFill/>
+        </p:spPr>
+        <p:txBody>
+          <a:bodyPr wrap="none" rtlCol="0">
+            <a:spAutoFit/>
+          </a:bodyPr>
+          <a:lstStyle/>
+          <a:p>
+            <a:r>
+              <a:rPr lang="en-ID" dirty="0" err="1"/>
+              <a:t>Perbedaan</a:t>
             </a:r>
             <a:r>
               <a:rPr lang="en-ID" dirty="0"/>
@@ -4164,47 +4839,7 @@
             </a:r>
             <a:r>
               <a:rPr lang="en-ID" dirty="0" err="1"/>
-              <a:t>saja</a:t>
-            </a:r>
-            <a:r>
-              <a:rPr lang="en-ID" dirty="0"/>
-              <a:t> yang </a:t>
-            </a:r>
-            <a:r>
-              <a:rPr lang="en-ID" dirty="0" err="1"/>
-              <a:t>ada</a:t>
-            </a:r>
-            <a:r>
-              <a:rPr lang="en-ID" dirty="0"/>
-              <a:t> di </a:t>
-            </a:r>
-            <a:r>
-              <a:rPr lang="en-ID" dirty="0" err="1"/>
-              <a:t>dalam</a:t>
-            </a:r>
-            <a:r>
-              <a:rPr lang="en-ID" dirty="0"/>
-              <a:t> class </a:t>
-            </a:r>
-            <a:r>
-              <a:rPr lang="en-ID" dirty="0" err="1"/>
-              <a:t>tersebut</a:t>
-            </a:r>
-            <a:r>
-              <a:rPr lang="en-ID" dirty="0"/>
-              <a:t>, </a:t>
-            </a:r>
-            <a:r>
-              <a:rPr lang="en-ID" dirty="0" err="1"/>
-              <a:t>baik</a:t>
-            </a:r>
-            <a:r>
-              <a:rPr lang="en-ID" dirty="0"/>
-              <a:t> method </a:t>
-            </a:r>
-            <a:r>
-              <a:rPr lang="en-ID" dirty="0" err="1"/>
-              <a:t>ataupun</a:t>
+              <a:t>bangun</a:t>
             </a:r>
             <a:r>
               <a:rPr lang="en-ID" dirty="0"/>
@@ -4212,15 +4847,15 @@
             </a:r>
             <a:r>
               <a:rPr lang="en-ID" dirty="0" err="1"/>
-              <a:t>atribut</a:t>
-            </a:r>
-            <a:r>
-              <a:rPr lang="en-ID" dirty="0"/>
-              <a:t> agar </a:t>
-            </a:r>
-            <a:r>
-              <a:rPr lang="en-ID" dirty="0" err="1"/>
-              <a:t>tidak</a:t>
+              <a:t>datar</a:t>
+            </a:r>
+            <a:r>
+              <a:rPr lang="en-ID" dirty="0"/>
+              <a:t> &amp; </a:t>
+            </a:r>
+            <a:r>
+              <a:rPr lang="en-ID" dirty="0" err="1"/>
+              <a:t>bangun</a:t>
             </a:r>
             <a:r>
               <a:rPr lang="en-ID" dirty="0"/>
@@ -4228,35 +4863,16 @@
             </a:r>
             <a:r>
               <a:rPr lang="en-ID" dirty="0" err="1"/>
-              <a:t>dapat</a:t>
-            </a:r>
-            <a:r>
-              <a:rPr lang="en-ID" dirty="0"/>
-              <a:t> di </a:t>
-            </a:r>
-            <a:r>
-              <a:rPr lang="en-ID" dirty="0" err="1"/>
-              <a:t>akses</a:t>
-            </a:r>
-            <a:r>
-              <a:rPr lang="en-ID" dirty="0"/>
-              <a:t> oleh class </a:t>
-            </a:r>
-            <a:r>
-              <a:rPr lang="en-ID" dirty="0" err="1"/>
-              <a:t>lainnya</a:t>
-            </a:r>
-            <a:r>
-              <a:rPr lang="en-ID" dirty="0"/>
-              <a:t>.</a:t>
-            </a:r>
+              <a:t>ruang</a:t>
+            </a:r>
+            <a:endParaRPr lang="en-ID" dirty="0"/>
           </a:p>
         </p:txBody>
       </p:sp>
     </p:spTree>
     <p:extLst>
       <p:ext uri="{BB962C8B-B14F-4D97-AF65-F5344CB8AC3E}">
-        <p14:creationId xmlns:p14="http://schemas.microsoft.com/office/powerpoint/2010/main" val="1847703072"/>
+        <p14:creationId xmlns:p14="http://schemas.microsoft.com/office/powerpoint/2010/main" val="2694290073"/>
       </p:ext>
     </p:extLst>
   </p:cSld>
@@ -4306,7 +4922,7 @@
           <a:p>
             <a:r>
               <a:rPr lang="en-ID" dirty="0"/>
-              <a:t>Polymorphism</a:t>
+              <a:t>Encapsulation</a:t>
             </a:r>
           </a:p>
         </p:txBody>
@@ -4334,8 +4950,116 @@
           <a:p>
             <a:pPr algn="just"/>
             <a:r>
-              <a:rPr lang="en-ID" dirty="0"/>
-              <a:t>Polymorphic </a:t>
+              <a:rPr lang="en-ID" dirty="0" err="1"/>
+              <a:t>Maksud</a:t>
+            </a:r>
+            <a:r>
+              <a:rPr lang="en-ID" dirty="0"/>
+              <a:t> </a:t>
+            </a:r>
+            <a:r>
+              <a:rPr lang="en-ID" dirty="0" err="1"/>
+              <a:t>dari</a:t>
+            </a:r>
+            <a:r>
+              <a:rPr lang="en-ID" dirty="0"/>
+              <a:t> encapsulation </a:t>
+            </a:r>
+            <a:r>
+              <a:rPr lang="en-ID" dirty="0" err="1"/>
+              <a:t>adalah</a:t>
+            </a:r>
+            <a:r>
+              <a:rPr lang="en-ID" dirty="0"/>
+              <a:t> </a:t>
+            </a:r>
+            <a:r>
+              <a:rPr lang="en-ID" dirty="0" err="1"/>
+              <a:t>membungkus</a:t>
+            </a:r>
+            <a:r>
+              <a:rPr lang="en-ID" dirty="0"/>
+              <a:t> class dan </a:t>
+            </a:r>
+            <a:r>
+              <a:rPr lang="en-ID" dirty="0" err="1"/>
+              <a:t>menjaga</a:t>
+            </a:r>
+            <a:r>
+              <a:rPr lang="en-ID" dirty="0"/>
+              <a:t> </a:t>
+            </a:r>
+            <a:r>
+              <a:rPr lang="en-ID" dirty="0" err="1"/>
+              <a:t>apa</a:t>
+            </a:r>
+            <a:r>
+              <a:rPr lang="en-ID" dirty="0"/>
+              <a:t> </a:t>
+            </a:r>
+            <a:r>
+              <a:rPr lang="en-ID" dirty="0" err="1"/>
+              <a:t>saja</a:t>
+            </a:r>
+            <a:r>
+              <a:rPr lang="en-ID" dirty="0"/>
+              <a:t> yang </a:t>
+            </a:r>
+            <a:r>
+              <a:rPr lang="en-ID" dirty="0" err="1"/>
+              <a:t>ada</a:t>
+            </a:r>
+            <a:r>
+              <a:rPr lang="en-ID" dirty="0"/>
+              <a:t> di </a:t>
+            </a:r>
+            <a:r>
+              <a:rPr lang="en-ID" dirty="0" err="1"/>
+              <a:t>dalam</a:t>
+            </a:r>
+            <a:r>
+              <a:rPr lang="en-ID" dirty="0"/>
+              <a:t> class </a:t>
+            </a:r>
+            <a:r>
+              <a:rPr lang="en-ID" dirty="0" err="1"/>
+              <a:t>tersebut</a:t>
+            </a:r>
+            <a:r>
+              <a:rPr lang="en-ID" dirty="0"/>
+              <a:t>, </a:t>
+            </a:r>
+            <a:r>
+              <a:rPr lang="en-ID" dirty="0" err="1"/>
+              <a:t>baik</a:t>
+            </a:r>
+            <a:r>
+              <a:rPr lang="en-ID" dirty="0"/>
+              <a:t> method </a:t>
+            </a:r>
+            <a:r>
+              <a:rPr lang="en-ID" dirty="0" err="1"/>
+              <a:t>ataupun</a:t>
+            </a:r>
+            <a:r>
+              <a:rPr lang="en-ID" dirty="0"/>
+              <a:t> </a:t>
+            </a:r>
+            <a:r>
+              <a:rPr lang="en-ID" dirty="0" err="1"/>
+              <a:t>atribut</a:t>
+            </a:r>
+            <a:r>
+              <a:rPr lang="en-ID" dirty="0"/>
+              <a:t> agar </a:t>
+            </a:r>
+            <a:r>
+              <a:rPr lang="en-ID" dirty="0" err="1"/>
+              <a:t>tidak</a:t>
+            </a:r>
+            <a:r>
+              <a:rPr lang="en-ID" dirty="0"/>
+              <a:t> </a:t>
             </a:r>
             <a:r>
               <a:rPr lang="en-ID" dirty="0" err="1"/>
@@ -4343,147 +5067,19 @@
             </a:r>
             <a:r>
               <a:rPr lang="en-ID" dirty="0"/>
-              <a:t> </a:t>
-            </a:r>
-            <a:r>
-              <a:rPr lang="en-ID" dirty="0" err="1"/>
-              <a:t>berarti</a:t>
-            </a:r>
-            <a:r>
-              <a:rPr lang="en-ID" dirty="0"/>
-              <a:t> </a:t>
-            </a:r>
-            <a:r>
-              <a:rPr lang="en-ID" dirty="0" err="1"/>
-              <a:t>banyak</a:t>
-            </a:r>
-            <a:r>
-              <a:rPr lang="en-ID" dirty="0"/>
-              <a:t> </a:t>
-            </a:r>
-            <a:r>
-              <a:rPr lang="en-ID" dirty="0" err="1"/>
-              <a:t>bentuk</a:t>
-            </a:r>
-            <a:r>
-              <a:rPr lang="en-ID" dirty="0"/>
-              <a:t>, </a:t>
-            </a:r>
-            <a:r>
-              <a:rPr lang="en-ID" dirty="0" err="1"/>
-              <a:t>maksudnya</a:t>
-            </a:r>
-            <a:r>
-              <a:rPr lang="en-ID" dirty="0"/>
-              <a:t> </a:t>
-            </a:r>
-            <a:r>
-              <a:rPr lang="en-ID" dirty="0" err="1"/>
-              <a:t>yaitu</a:t>
-            </a:r>
-            <a:r>
-              <a:rPr lang="en-ID" dirty="0"/>
-              <a:t> </a:t>
-            </a:r>
-            <a:r>
-              <a:rPr lang="en-ID" dirty="0" err="1"/>
-              <a:t>kita</a:t>
-            </a:r>
-            <a:r>
-              <a:rPr lang="en-ID" dirty="0"/>
-              <a:t> </a:t>
-            </a:r>
-            <a:r>
-              <a:rPr lang="en-ID" dirty="0" err="1"/>
-              <a:t>dapat</a:t>
-            </a:r>
-            <a:r>
-              <a:rPr lang="en-ID" dirty="0"/>
-              <a:t> </a:t>
-            </a:r>
-            <a:r>
-              <a:rPr lang="en-ID" dirty="0" err="1"/>
-              <a:t>menimpa</a:t>
-            </a:r>
-            <a:r>
-              <a:rPr lang="en-ID" dirty="0"/>
-              <a:t> (override) </a:t>
-            </a:r>
-            <a:r>
-              <a:rPr lang="en-ID" dirty="0" err="1"/>
-              <a:t>suatu</a:t>
-            </a:r>
-            <a:r>
-              <a:rPr lang="en-ID" dirty="0"/>
-              <a:t> method, yang </a:t>
-            </a:r>
-            <a:r>
-              <a:rPr lang="en-ID" dirty="0" err="1"/>
-              <a:t>berasal</a:t>
-            </a:r>
-            <a:r>
-              <a:rPr lang="en-ID" dirty="0"/>
-              <a:t> </a:t>
-            </a:r>
-            <a:r>
-              <a:rPr lang="en-ID" dirty="0" err="1"/>
-              <a:t>dari</a:t>
-            </a:r>
-            <a:r>
-              <a:rPr lang="en-ID" dirty="0"/>
-              <a:t> parent class (super class) </a:t>
-            </a:r>
-            <a:r>
-              <a:rPr lang="en-ID" dirty="0" err="1"/>
-              <a:t>dimana</a:t>
-            </a:r>
-            <a:r>
-              <a:rPr lang="en-ID" dirty="0"/>
-              <a:t> object </a:t>
-            </a:r>
-            <a:r>
-              <a:rPr lang="en-ID" dirty="0" err="1"/>
-              <a:t>tersebut</a:t>
-            </a:r>
-            <a:r>
-              <a:rPr lang="en-ID" dirty="0"/>
-              <a:t> </a:t>
-            </a:r>
-            <a:r>
-              <a:rPr lang="en-ID" dirty="0" err="1"/>
-              <a:t>diturunkan</a:t>
-            </a:r>
-            <a:r>
-              <a:rPr lang="en-ID" dirty="0"/>
-              <a:t>, </a:t>
-            </a:r>
-            <a:r>
-              <a:rPr lang="en-ID" dirty="0" err="1"/>
-              <a:t>sehingga</a:t>
-            </a:r>
-            <a:r>
-              <a:rPr lang="en-ID" dirty="0"/>
-              <a:t> </a:t>
-            </a:r>
-            <a:r>
-              <a:rPr lang="en-ID" dirty="0" err="1"/>
-              <a:t>memiliki</a:t>
-            </a:r>
-            <a:r>
-              <a:rPr lang="en-ID" dirty="0"/>
-              <a:t> </a:t>
-            </a:r>
-            <a:r>
-              <a:rPr lang="en-ID" dirty="0" err="1"/>
-              <a:t>kelakuan</a:t>
-            </a:r>
-            <a:r>
-              <a:rPr lang="en-ID" dirty="0"/>
-              <a:t> yang </a:t>
-            </a:r>
-            <a:r>
-              <a:rPr lang="en-ID" dirty="0" err="1"/>
-              <a:t>berbeda</a:t>
+              <a:t> di </a:t>
+            </a:r>
+            <a:r>
+              <a:rPr lang="en-ID" dirty="0" err="1"/>
+              <a:t>akses</a:t>
+            </a:r>
+            <a:r>
+              <a:rPr lang="en-ID" dirty="0"/>
+              <a:t> oleh class </a:t>
+            </a:r>
+            <a:r>
+              <a:rPr lang="en-ID" dirty="0" err="1"/>
+              <a:t>lainnya</a:t>
             </a:r>
             <a:r>
               <a:rPr lang="en-ID" dirty="0"/>
@@ -4495,7 +5091,7 @@
     </p:spTree>
     <p:extLst>
       <p:ext uri="{BB962C8B-B14F-4D97-AF65-F5344CB8AC3E}">
-        <p14:creationId xmlns:p14="http://schemas.microsoft.com/office/powerpoint/2010/main" val="2135787614"/>
+        <p14:creationId xmlns:p14="http://schemas.microsoft.com/office/powerpoint/2010/main" val="1847703072"/>
       </p:ext>
     </p:extLst>
   </p:cSld>
@@ -4545,7 +5141,7 @@
           <a:p>
             <a:r>
               <a:rPr lang="en-ID" dirty="0"/>
-              <a:t>Abstract</a:t>
+              <a:t>Polymorphism</a:t>
             </a:r>
           </a:p>
         </p:txBody>
@@ -4574,11 +5170,11 @@
             <a:pPr algn="just"/>
             <a:r>
               <a:rPr lang="en-ID" dirty="0"/>
-              <a:t>Abstract class </a:t>
-            </a:r>
-            <a:r>
-              <a:rPr lang="en-ID" dirty="0" err="1"/>
-              <a:t>adalah</a:t>
+              <a:t>Polymorphic </a:t>
+            </a:r>
+            <a:r>
+              <a:rPr lang="en-ID" dirty="0" err="1"/>
+              <a:t>dapat</a:t>
             </a:r>
             <a:r>
               <a:rPr lang="en-ID" dirty="0"/>
@@ -4586,7 +5182,7 @@
             </a:r>
             <a:r>
               <a:rPr lang="en-ID" dirty="0" err="1"/>
-              <a:t>hierarki</a:t>
+              <a:t>berarti</a:t>
             </a:r>
             <a:r>
               <a:rPr lang="en-ID" dirty="0"/>
@@ -4594,7 +5190,7 @@
             </a:r>
             <a:r>
               <a:rPr lang="en-ID" dirty="0" err="1"/>
-              <a:t>tertinggi</a:t>
+              <a:t>banyak</a:t>
             </a:r>
             <a:r>
               <a:rPr lang="en-ID" dirty="0"/>
@@ -4602,23 +5198,87 @@
             </a:r>
             <a:r>
               <a:rPr lang="en-ID" dirty="0" err="1"/>
+              <a:t>bentuk</a:t>
+            </a:r>
+            <a:r>
+              <a:rPr lang="en-ID" dirty="0"/>
+              <a:t>, </a:t>
+            </a:r>
+            <a:r>
+              <a:rPr lang="en-ID" dirty="0" err="1"/>
+              <a:t>maksudnya</a:t>
+            </a:r>
+            <a:r>
+              <a:rPr lang="en-ID" dirty="0"/>
+              <a:t> </a:t>
+            </a:r>
+            <a:r>
+              <a:rPr lang="en-ID" dirty="0" err="1"/>
+              <a:t>yaitu</a:t>
+            </a:r>
+            <a:r>
+              <a:rPr lang="en-ID" dirty="0"/>
+              <a:t> </a:t>
+            </a:r>
+            <a:r>
+              <a:rPr lang="en-ID" dirty="0" err="1"/>
+              <a:t>kita</a:t>
+            </a:r>
+            <a:r>
+              <a:rPr lang="en-ID" dirty="0"/>
+              <a:t> </a:t>
+            </a:r>
+            <a:r>
+              <a:rPr lang="en-ID" dirty="0" err="1"/>
+              <a:t>dapat</a:t>
+            </a:r>
+            <a:r>
+              <a:rPr lang="en-ID" dirty="0"/>
+              <a:t> </a:t>
+            </a:r>
+            <a:r>
+              <a:rPr lang="en-ID" dirty="0" err="1"/>
+              <a:t>menimpa</a:t>
+            </a:r>
+            <a:r>
+              <a:rPr lang="en-ID" dirty="0"/>
+              <a:t> (override) </a:t>
+            </a:r>
+            <a:r>
+              <a:rPr lang="en-ID" dirty="0" err="1"/>
+              <a:t>suatu</a:t>
+            </a:r>
+            <a:r>
+              <a:rPr lang="en-ID" dirty="0"/>
+              <a:t> method, yang </a:t>
+            </a:r>
+            <a:r>
+              <a:rPr lang="en-ID" dirty="0" err="1"/>
+              <a:t>berasal</a:t>
+            </a:r>
+            <a:r>
+              <a:rPr lang="en-ID" dirty="0"/>
+              <a:t> </a:t>
+            </a:r>
+            <a:r>
+              <a:rPr lang="en-ID" dirty="0" err="1"/>
               <a:t>dari</a:t>
             </a:r>
             <a:r>
               <a:rPr lang="en-ID" dirty="0"/>
-              <a:t> sub-sub class-</a:t>
-            </a:r>
-            <a:r>
-              <a:rPr lang="en-ID" dirty="0" err="1"/>
-              <a:t>nya</a:t>
-            </a:r>
-            <a:r>
-              <a:rPr lang="en-ID" dirty="0"/>
-              <a:t>. Class </a:t>
-            </a:r>
-            <a:r>
-              <a:rPr lang="en-ID" dirty="0" err="1"/>
-              <a:t>abstrak</a:t>
+              <a:t> parent class (super class) </a:t>
+            </a:r>
+            <a:r>
+              <a:rPr lang="en-ID" dirty="0" err="1"/>
+              <a:t>dimana</a:t>
+            </a:r>
+            <a:r>
+              <a:rPr lang="en-ID" dirty="0"/>
+              <a:t> object </a:t>
+            </a:r>
+            <a:r>
+              <a:rPr lang="en-ID" dirty="0" err="1"/>
+              <a:t>tersebut</a:t>
             </a:r>
             <a:r>
               <a:rPr lang="en-ID" dirty="0"/>
@@ -4626,7 +5286,15 @@
             </a:r>
             <a:r>
               <a:rPr lang="en-ID" dirty="0" err="1"/>
-              <a:t>digunakan</a:t>
+              <a:t>diturunkan</a:t>
+            </a:r>
+            <a:r>
+              <a:rPr lang="en-ID" dirty="0"/>
+              <a:t>, </a:t>
+            </a:r>
+            <a:r>
+              <a:rPr lang="en-ID" dirty="0" err="1"/>
+              <a:t>sehingga</a:t>
             </a:r>
             <a:r>
               <a:rPr lang="en-ID" dirty="0"/>
@@ -4634,7 +5302,7 @@
             </a:r>
             <a:r>
               <a:rPr lang="en-ID" dirty="0" err="1"/>
-              <a:t>untuk</a:t>
+              <a:t>memiliki</a:t>
             </a:r>
             <a:r>
               <a:rPr lang="en-ID" dirty="0"/>
@@ -4642,23 +5310,7 @@
             </a:r>
             <a:r>
               <a:rPr lang="en-ID" dirty="0" err="1"/>
-              <a:t>membuat</a:t>
-            </a:r>
-            <a:r>
-              <a:rPr lang="en-ID" dirty="0"/>
-              <a:t> </a:t>
-            </a:r>
-            <a:r>
-              <a:rPr lang="en-ID" dirty="0" err="1"/>
-              <a:t>sebuah</a:t>
-            </a:r>
-            <a:r>
-              <a:rPr lang="en-ID" dirty="0"/>
-              <a:t> </a:t>
-            </a:r>
-            <a:r>
-              <a:rPr lang="en-ID" dirty="0" err="1"/>
-              <a:t>kelas</a:t>
+              <a:t>kelakuan</a:t>
             </a:r>
             <a:r>
               <a:rPr lang="en-ID" dirty="0"/>
@@ -4666,31 +5318,7 @@
             </a:r>
             <a:r>
               <a:rPr lang="en-ID" dirty="0" err="1"/>
-              <a:t>memiliki</a:t>
-            </a:r>
-            <a:r>
-              <a:rPr lang="en-ID" dirty="0"/>
-              <a:t> method yang </a:t>
-            </a:r>
-            <a:r>
-              <a:rPr lang="en-ID" dirty="0" err="1"/>
-              <a:t>belum</a:t>
-            </a:r>
-            <a:r>
-              <a:rPr lang="en-ID" dirty="0"/>
-              <a:t> </a:t>
-            </a:r>
-            <a:r>
-              <a:rPr lang="en-ID" dirty="0" err="1"/>
-              <a:t>jelas</a:t>
-            </a:r>
-            <a:r>
-              <a:rPr lang="en-ID" dirty="0"/>
-              <a:t> </a:t>
-            </a:r>
-            <a:r>
-              <a:rPr lang="en-ID" dirty="0" err="1"/>
-              <a:t>implementasinya</a:t>
+              <a:t>berbeda</a:t>
             </a:r>
             <a:r>
               <a:rPr lang="en-ID" dirty="0"/>
@@ -4702,7 +5330,7 @@
     </p:spTree>
     <p:extLst>
       <p:ext uri="{BB962C8B-B14F-4D97-AF65-F5344CB8AC3E}">
-        <p14:creationId xmlns:p14="http://schemas.microsoft.com/office/powerpoint/2010/main" val="1586836044"/>
+        <p14:creationId xmlns:p14="http://schemas.microsoft.com/office/powerpoint/2010/main" val="2135787614"/>
       </p:ext>
     </p:extLst>
   </p:cSld>
@@ -4752,6 +5380,213 @@
           <a:p>
             <a:r>
               <a:rPr lang="en-ID" dirty="0"/>
+              <a:t>Abstraction</a:t>
+            </a:r>
+          </a:p>
+        </p:txBody>
+      </p:sp>
+      <p:sp>
+        <p:nvSpPr>
+          <p:cNvPr id="3" name="Content Placeholder 2">
+            <a:extLst>
+              <a:ext uri="{FF2B5EF4-FFF2-40B4-BE49-F238E27FC236}">
+                <a16:creationId xmlns:a16="http://schemas.microsoft.com/office/drawing/2014/main" id="{E6B1B99D-ED64-4304-B3C6-1624A71B991B}"/>
+              </a:ext>
+            </a:extLst>
+          </p:cNvPr>
+          <p:cNvSpPr>
+            <a:spLocks noGrp="1"/>
+          </p:cNvSpPr>
+          <p:nvPr>
+            <p:ph idx="1"/>
+          </p:nvPr>
+        </p:nvSpPr>
+        <p:spPr/>
+        <p:txBody>
+          <a:bodyPr/>
+          <a:lstStyle/>
+          <a:p>
+            <a:pPr algn="just"/>
+            <a:r>
+              <a:rPr lang="en-ID" dirty="0"/>
+              <a:t>Abstract class </a:t>
+            </a:r>
+            <a:r>
+              <a:rPr lang="en-ID" dirty="0" err="1"/>
+              <a:t>adalah</a:t>
+            </a:r>
+            <a:r>
+              <a:rPr lang="en-ID" dirty="0"/>
+              <a:t> </a:t>
+            </a:r>
+            <a:r>
+              <a:rPr lang="en-ID" dirty="0" err="1"/>
+              <a:t>hierarki</a:t>
+            </a:r>
+            <a:r>
+              <a:rPr lang="en-ID" dirty="0"/>
+              <a:t> </a:t>
+            </a:r>
+            <a:r>
+              <a:rPr lang="en-ID" dirty="0" err="1"/>
+              <a:t>tertinggi</a:t>
+            </a:r>
+            <a:r>
+              <a:rPr lang="en-ID" dirty="0"/>
+              <a:t> </a:t>
+            </a:r>
+            <a:r>
+              <a:rPr lang="en-ID" dirty="0" err="1"/>
+              <a:t>dari</a:t>
+            </a:r>
+            <a:r>
+              <a:rPr lang="en-ID" dirty="0"/>
+              <a:t> sub-sub class-</a:t>
+            </a:r>
+            <a:r>
+              <a:rPr lang="en-ID" dirty="0" err="1"/>
+              <a:t>nya</a:t>
+            </a:r>
+            <a:r>
+              <a:rPr lang="en-ID" dirty="0"/>
+              <a:t>. Class </a:t>
+            </a:r>
+            <a:r>
+              <a:rPr lang="en-ID" dirty="0" err="1"/>
+              <a:t>abstrak</a:t>
+            </a:r>
+            <a:r>
+              <a:rPr lang="en-ID" dirty="0"/>
+              <a:t> </a:t>
+            </a:r>
+            <a:r>
+              <a:rPr lang="en-ID" dirty="0" err="1"/>
+              <a:t>digunakan</a:t>
+            </a:r>
+            <a:r>
+              <a:rPr lang="en-ID" dirty="0"/>
+              <a:t> </a:t>
+            </a:r>
+            <a:r>
+              <a:rPr lang="en-ID" dirty="0" err="1"/>
+              <a:t>untuk</a:t>
+            </a:r>
+            <a:r>
+              <a:rPr lang="en-ID" dirty="0"/>
+              <a:t> </a:t>
+            </a:r>
+            <a:r>
+              <a:rPr lang="en-ID" dirty="0" err="1"/>
+              <a:t>membuat</a:t>
+            </a:r>
+            <a:r>
+              <a:rPr lang="en-ID" dirty="0"/>
+              <a:t> </a:t>
+            </a:r>
+            <a:r>
+              <a:rPr lang="en-ID" dirty="0" err="1"/>
+              <a:t>sebuah</a:t>
+            </a:r>
+            <a:r>
+              <a:rPr lang="en-ID" dirty="0"/>
+              <a:t> </a:t>
+            </a:r>
+            <a:r>
+              <a:rPr lang="en-ID" dirty="0" err="1"/>
+              <a:t>kelas</a:t>
+            </a:r>
+            <a:r>
+              <a:rPr lang="en-ID" dirty="0"/>
+              <a:t> yang </a:t>
+            </a:r>
+            <a:r>
+              <a:rPr lang="en-ID" dirty="0" err="1"/>
+              <a:t>memiliki</a:t>
+            </a:r>
+            <a:r>
+              <a:rPr lang="en-ID" dirty="0"/>
+              <a:t> method yang </a:t>
+            </a:r>
+            <a:r>
+              <a:rPr lang="en-ID" dirty="0" err="1"/>
+              <a:t>belum</a:t>
+            </a:r>
+            <a:r>
+              <a:rPr lang="en-ID" dirty="0"/>
+              <a:t> </a:t>
+            </a:r>
+            <a:r>
+              <a:rPr lang="en-ID" dirty="0" err="1"/>
+              <a:t>jelas</a:t>
+            </a:r>
+            <a:r>
+              <a:rPr lang="en-ID" dirty="0"/>
+              <a:t> </a:t>
+            </a:r>
+            <a:r>
+              <a:rPr lang="en-ID" dirty="0" err="1"/>
+              <a:t>implementasinya</a:t>
+            </a:r>
+            <a:r>
+              <a:rPr lang="en-ID" dirty="0"/>
+              <a:t>.</a:t>
+            </a:r>
+          </a:p>
+        </p:txBody>
+      </p:sp>
+    </p:spTree>
+    <p:extLst>
+      <p:ext uri="{BB962C8B-B14F-4D97-AF65-F5344CB8AC3E}">
+        <p14:creationId xmlns:p14="http://schemas.microsoft.com/office/powerpoint/2010/main" val="1586836044"/>
+      </p:ext>
+    </p:extLst>
+  </p:cSld>
+  <p:clrMapOvr>
+    <a:masterClrMapping/>
+  </p:clrMapOvr>
+</p:sld>
+</file>
+
+<file path=ppt/slides/slide6.xml><?xml version="1.0" encoding="utf-8"?>
+<p:sld xmlns:a="http://schemas.openxmlformats.org/drawingml/2006/main" xmlns:r="http://schemas.openxmlformats.org/officeDocument/2006/relationships" xmlns:p="http://schemas.openxmlformats.org/presentationml/2006/main">
+  <p:cSld>
+    <p:spTree>
+      <p:nvGrpSpPr>
+        <p:cNvPr id="1" name=""/>
+        <p:cNvGrpSpPr/>
+        <p:nvPr/>
+      </p:nvGrpSpPr>
+      <p:grpSpPr>
+        <a:xfrm>
+          <a:off x="0" y="0"/>
+          <a:ext cx="0" cy="0"/>
+          <a:chOff x="0" y="0"/>
+          <a:chExt cx="0" cy="0"/>
+        </a:xfrm>
+      </p:grpSpPr>
+      <p:sp>
+        <p:nvSpPr>
+          <p:cNvPr id="2" name="Title 1">
+            <a:extLst>
+              <a:ext uri="{FF2B5EF4-FFF2-40B4-BE49-F238E27FC236}">
+                <a16:creationId xmlns:a16="http://schemas.microsoft.com/office/drawing/2014/main" id="{08045F0B-DFA7-4228-BD66-028898A9A702}"/>
+              </a:ext>
+            </a:extLst>
+          </p:cNvPr>
+          <p:cNvSpPr>
+            <a:spLocks noGrp="1"/>
+          </p:cNvSpPr>
+          <p:nvPr>
+            <p:ph type="title"/>
+          </p:nvPr>
+        </p:nvSpPr>
+        <p:spPr/>
+        <p:txBody>
+          <a:bodyPr/>
+          <a:lstStyle/>
+          <a:p>
+            <a:r>
+              <a:rPr lang="en-ID" dirty="0"/>
               <a:t>Inheritance</a:t>
             </a:r>
           </a:p>
@@ -4967,7 +5802,7 @@
 </p:sld>
 </file>
 
-<file path=ppt/slides/slide6.xml><?xml version="1.0" encoding="utf-8"?>
+<file path=ppt/slides/slide7.xml><?xml version="1.0" encoding="utf-8"?>
 <p:sld xmlns:a="http://schemas.openxmlformats.org/drawingml/2006/main" xmlns:r="http://schemas.openxmlformats.org/officeDocument/2006/relationships" xmlns:p="http://schemas.openxmlformats.org/presentationml/2006/main">
   <p:cSld>
     <p:spTree>
@@ -5066,7 +5901,7 @@
 </p:sld>
 </file>
 
-<file path=ppt/slides/slide7.xml><?xml version="1.0" encoding="utf-8"?>
+<file path=ppt/slides/slide8.xml><?xml version="1.0" encoding="utf-8"?>
 <p:sld xmlns:a="http://schemas.openxmlformats.org/drawingml/2006/main" xmlns:r="http://schemas.openxmlformats.org/officeDocument/2006/relationships" xmlns:p="http://schemas.openxmlformats.org/presentationml/2006/main">
   <p:cSld>
     <p:spTree>
@@ -5165,7 +6000,7 @@
 </p:sld>
 </file>
 
-<file path=ppt/slides/slide8.xml><?xml version="1.0" encoding="utf-8"?>
+<file path=ppt/slides/slide9.xml><?xml version="1.0" encoding="utf-8"?>
 <p:sld xmlns:a="http://schemas.openxmlformats.org/drawingml/2006/main" xmlns:r="http://schemas.openxmlformats.org/officeDocument/2006/relationships" xmlns:p="http://schemas.openxmlformats.org/presentationml/2006/main">
   <p:cSld>
     <p:spTree>
@@ -5255,105 +6090,6 @@
     <p:extLst>
       <p:ext uri="{BB962C8B-B14F-4D97-AF65-F5344CB8AC3E}">
         <p14:creationId xmlns:p14="http://schemas.microsoft.com/office/powerpoint/2010/main" val="2514818945"/>
-      </p:ext>
-    </p:extLst>
-  </p:cSld>
-  <p:clrMapOvr>
-    <a:masterClrMapping/>
-  </p:clrMapOvr>
-</p:sld>
-</file>
-
-<file path=ppt/slides/slide9.xml><?xml version="1.0" encoding="utf-8"?>
-<p:sld xmlns:a="http://schemas.openxmlformats.org/drawingml/2006/main" xmlns:r="http://schemas.openxmlformats.org/officeDocument/2006/relationships" xmlns:p="http://schemas.openxmlformats.org/presentationml/2006/main">
-  <p:cSld>
-    <p:spTree>
-      <p:nvGrpSpPr>
-        <p:cNvPr id="1" name=""/>
-        <p:cNvGrpSpPr/>
-        <p:nvPr/>
-      </p:nvGrpSpPr>
-      <p:grpSpPr>
-        <a:xfrm>
-          <a:off x="0" y="0"/>
-          <a:ext cx="0" cy="0"/>
-          <a:chOff x="0" y="0"/>
-          <a:chExt cx="0" cy="0"/>
-        </a:xfrm>
-      </p:grpSpPr>
-      <p:sp>
-        <p:nvSpPr>
-          <p:cNvPr id="2" name="Title 1">
-            <a:extLst>
-              <a:ext uri="{FF2B5EF4-FFF2-40B4-BE49-F238E27FC236}">
-                <a16:creationId xmlns:a16="http://schemas.microsoft.com/office/drawing/2014/main" id="{2A77E40A-3F50-43FE-B75C-6816F6623634}"/>
-              </a:ext>
-            </a:extLst>
-          </p:cNvPr>
-          <p:cNvSpPr>
-            <a:spLocks noGrp="1"/>
-          </p:cNvSpPr>
-          <p:nvPr>
-            <p:ph type="title"/>
-          </p:nvPr>
-        </p:nvSpPr>
-        <p:spPr/>
-        <p:txBody>
-          <a:bodyPr>
-            <a:noAutofit/>
-          </a:bodyPr>
-          <a:lstStyle/>
-          <a:p>
-            <a:r>
-              <a:rPr lang="en-ID" sz="2450" dirty="0"/>
-              <a:t>Class </a:t>
-            </a:r>
-            <a:r>
-              <a:rPr lang="en-ID" sz="2450" dirty="0" err="1"/>
-              <a:t>BangunRuang</a:t>
-            </a:r>
-            <a:endParaRPr lang="en-ID" sz="2450" dirty="0"/>
-          </a:p>
-        </p:txBody>
-      </p:sp>
-      <p:pic>
-        <p:nvPicPr>
-          <p:cNvPr id="5" name="Content Placeholder 4">
-            <a:extLst>
-              <a:ext uri="{FF2B5EF4-FFF2-40B4-BE49-F238E27FC236}">
-                <a16:creationId xmlns:a16="http://schemas.microsoft.com/office/drawing/2014/main" id="{868EB61E-7F8E-40D7-8E53-BF59942C51EA}"/>
-              </a:ext>
-            </a:extLst>
-          </p:cNvPr>
-          <p:cNvPicPr>
-            <a:picLocks noGrp="1" noChangeAspect="1"/>
-          </p:cNvPicPr>
-          <p:nvPr>
-            <p:ph idx="1"/>
-          </p:nvPr>
-        </p:nvPicPr>
-        <p:blipFill>
-          <a:blip r:embed="rId2">
-            <a:extLst>
-              <a:ext uri="{28A0092B-C50C-407E-A947-70E740481C1C}">
-                <a14:useLocalDpi xmlns:a14="http://schemas.microsoft.com/office/drawing/2010/main" val="0"/>
-              </a:ext>
-            </a:extLst>
-          </a:blip>
-          <a:srcRect/>
-          <a:stretch/>
-        </p:blipFill>
-        <p:spPr>
-          <a:xfrm>
-            <a:off x="4552440" y="3117129"/>
-            <a:ext cx="6268907" cy="614598"/>
-          </a:xfrm>
-        </p:spPr>
-      </p:pic>
-    </p:spTree>
-    <p:extLst>
-      <p:ext uri="{BB962C8B-B14F-4D97-AF65-F5344CB8AC3E}">
-        <p14:creationId xmlns:p14="http://schemas.microsoft.com/office/powerpoint/2010/main" val="3153293569"/>
       </p:ext>
     </p:extLst>
   </p:cSld>
